--- a/1 - Fundamentals of Object Oriented Programming/classes_and_objects/Classes and Objects.pptx
+++ b/1 - Fundamentals of Object Oriented Programming/classes_and_objects/Classes and Objects.pptx
@@ -3562,7 +3562,7 @@
           <a:p>
             <a:fld id="{75A99358-0554-3345-871D-48A6BABEE3E1}" type="datetimeFigureOut">
               <a:rPr lang="en-US" smtClean="0"/>
-              <a:t>3/19/2025</a:t>
+              <a:t>3/25/2025</a:t>
             </a:fld>
             <a:endParaRPr lang="en-US"/>
           </a:p>
@@ -4005,7 +4005,7 @@
           <a:p>
             <a:fld id="{04BC266F-70C8-954B-9EC8-D842168CE9D2}" type="datetimeFigureOut">
               <a:rPr lang="en-US" smtClean="0"/>
-              <a:t>3/19/2025</a:t>
+              <a:t>3/25/2025</a:t>
             </a:fld>
             <a:endParaRPr lang="en-US"/>
           </a:p>
@@ -4190,7 +4190,7 @@
           <a:p>
             <a:r>
               <a:rPr lang="en-US" dirty="0"/>
-              <a:t>CCDEPLRL</a:t>
+              <a:t>CCOBJPGL</a:t>
             </a:r>
           </a:p>
         </p:txBody>
@@ -4647,7 +4647,7 @@
           <a:p>
             <a:r>
               <a:rPr lang="en-US" dirty="0"/>
-              <a:t>CCDEPLRL</a:t>
+              <a:t>CCOBJPGL</a:t>
             </a:r>
           </a:p>
         </p:txBody>
@@ -5104,7 +5104,7 @@
           <a:p>
             <a:r>
               <a:rPr lang="en-US"/>
-              <a:t>CCDEPLRL</a:t>
+              <a:t>CCOBJPGL</a:t>
             </a:r>
             <a:endParaRPr lang="en-US" dirty="0"/>
           </a:p>
@@ -5562,7 +5562,7 @@
           <a:p>
             <a:r>
               <a:rPr lang="en-US" dirty="0"/>
-              <a:t>CCDEPLRL</a:t>
+              <a:t>CCOBJPGL</a:t>
             </a:r>
           </a:p>
         </p:txBody>
@@ -5955,7 +5955,7 @@
           <a:p>
             <a:fld id="{04BC266F-70C8-954B-9EC8-D842168CE9D2}" type="datetimeFigureOut">
               <a:rPr lang="en-US" smtClean="0"/>
-              <a:t>3/19/2025</a:t>
+              <a:t>3/25/2025</a:t>
             </a:fld>
             <a:endParaRPr lang="en-US"/>
           </a:p>
@@ -6169,7 +6169,7 @@
           <a:p>
             <a:r>
               <a:rPr lang="en-US" dirty="0"/>
-              <a:t>CCDEPLRL</a:t>
+              <a:t>CCOBJPGL</a:t>
             </a:r>
           </a:p>
         </p:txBody>
@@ -6688,7 +6688,7 @@
           <a:p>
             <a:r>
               <a:rPr lang="en-US" dirty="0"/>
-              <a:t>CCDEPLRL</a:t>
+              <a:t>CCOBJPGL</a:t>
             </a:r>
           </a:p>
         </p:txBody>
@@ -7349,7 +7349,7 @@
           <a:p>
             <a:r>
               <a:rPr lang="en-US" dirty="0"/>
-              <a:t>CCDEPLRL</a:t>
+              <a:t>CCOBJPGL</a:t>
             </a:r>
           </a:p>
         </p:txBody>
@@ -7613,7 +7613,7 @@
           <a:p>
             <a:fld id="{04BC266F-70C8-954B-9EC8-D842168CE9D2}" type="datetimeFigureOut">
               <a:rPr lang="en-US" smtClean="0"/>
-              <a:t>3/19/2025</a:t>
+              <a:t>3/25/2025</a:t>
             </a:fld>
             <a:endParaRPr lang="en-US"/>
           </a:p>
@@ -7827,7 +7827,7 @@
           <a:p>
             <a:r>
               <a:rPr lang="en-US" dirty="0"/>
-              <a:t>CCDEPLRL</a:t>
+              <a:t>CCOBJPGL</a:t>
             </a:r>
           </a:p>
         </p:txBody>
@@ -8058,7 +8058,7 @@
           <a:p>
             <a:fld id="{04BC266F-70C8-954B-9EC8-D842168CE9D2}" type="datetimeFigureOut">
               <a:rPr lang="en-US" smtClean="0"/>
-              <a:t>3/19/2025</a:t>
+              <a:t>3/25/2025</a:t>
             </a:fld>
             <a:endParaRPr lang="en-US"/>
           </a:p>
@@ -8272,7 +8272,7 @@
           <a:p>
             <a:r>
               <a:rPr lang="en-US" dirty="0"/>
-              <a:t>CCDEPLRL</a:t>
+              <a:t>CCOBJPGL</a:t>
             </a:r>
           </a:p>
         </p:txBody>
@@ -8832,7 +8832,7 @@
           <a:p>
             <a:r>
               <a:rPr lang="en-US" dirty="0"/>
-              <a:t>CCDEPLRL</a:t>
+              <a:t>CCOBJPGL</a:t>
             </a:r>
           </a:p>
         </p:txBody>
@@ -9369,7 +9369,7 @@
           <a:p>
             <a:r>
               <a:rPr lang="en-US" dirty="0"/>
-              <a:t>CCDEPLRL</a:t>
+              <a:t>CCOBJPGL</a:t>
             </a:r>
           </a:p>
         </p:txBody>
@@ -9728,7 +9728,7 @@
           <a:p>
             <a:fld id="{04BC266F-70C8-954B-9EC8-D842168CE9D2}" type="datetimeFigureOut">
               <a:rPr lang="en-US" smtClean="0"/>
-              <a:t>3/19/2025</a:t>
+              <a:t>3/25/2025</a:t>
             </a:fld>
             <a:endParaRPr lang="en-US"/>
           </a:p>

--- a/1 - Fundamentals of Object Oriented Programming/classes_and_objects/Classes and Objects.pptx
+++ b/1 - Fundamentals of Object Oriented Programming/classes_and_objects/Classes and Objects.pptx
@@ -3562,7 +3562,7 @@
           <a:p>
             <a:fld id="{75A99358-0554-3345-871D-48A6BABEE3E1}" type="datetimeFigureOut">
               <a:rPr lang="en-US" smtClean="0"/>
-              <a:t>3/25/2025</a:t>
+              <a:t>3/26/2025</a:t>
             </a:fld>
             <a:endParaRPr lang="en-US"/>
           </a:p>
@@ -4005,7 +4005,7 @@
           <a:p>
             <a:fld id="{04BC266F-70C8-954B-9EC8-D842168CE9D2}" type="datetimeFigureOut">
               <a:rPr lang="en-US" smtClean="0"/>
-              <a:t>3/25/2025</a:t>
+              <a:t>3/26/2025</a:t>
             </a:fld>
             <a:endParaRPr lang="en-US"/>
           </a:p>
@@ -5955,7 +5955,7 @@
           <a:p>
             <a:fld id="{04BC266F-70C8-954B-9EC8-D842168CE9D2}" type="datetimeFigureOut">
               <a:rPr lang="en-US" smtClean="0"/>
-              <a:t>3/25/2025</a:t>
+              <a:t>3/26/2025</a:t>
             </a:fld>
             <a:endParaRPr lang="en-US"/>
           </a:p>
@@ -7613,7 +7613,7 @@
           <a:p>
             <a:fld id="{04BC266F-70C8-954B-9EC8-D842168CE9D2}" type="datetimeFigureOut">
               <a:rPr lang="en-US" smtClean="0"/>
-              <a:t>3/25/2025</a:t>
+              <a:t>3/26/2025</a:t>
             </a:fld>
             <a:endParaRPr lang="en-US"/>
           </a:p>
@@ -8058,7 +8058,7 @@
           <a:p>
             <a:fld id="{04BC266F-70C8-954B-9EC8-D842168CE9D2}" type="datetimeFigureOut">
               <a:rPr lang="en-US" smtClean="0"/>
-              <a:t>3/25/2025</a:t>
+              <a:t>3/26/2025</a:t>
             </a:fld>
             <a:endParaRPr lang="en-US"/>
           </a:p>
@@ -9728,7 +9728,7 @@
           <a:p>
             <a:fld id="{04BC266F-70C8-954B-9EC8-D842168CE9D2}" type="datetimeFigureOut">
               <a:rPr lang="en-US" smtClean="0"/>
-              <a:t>3/25/2025</a:t>
+              <a:t>3/26/2025</a:t>
             </a:fld>
             <a:endParaRPr lang="en-US"/>
           </a:p>
@@ -13385,10 +13385,7 @@
             <a:r>
               <a:rPr lang="en-PH" sz="2500" dirty="0">
                 <a:solidFill>
-                  <a:schemeClr val="accent1">
-                    <a:lumMod val="40000"/>
-                    <a:lumOff val="60000"/>
-                  </a:schemeClr>
+                  <a:srgbClr val="00CC99"/>
                 </a:solidFill>
                 <a:latin typeface="Consolas" panose="020B0609020204030204" pitchFamily="49" charset="0"/>
               </a:rPr>
@@ -13502,10 +13499,7 @@
             <a:r>
               <a:rPr lang="en-PH" sz="2500" dirty="0">
                 <a:solidFill>
-                  <a:schemeClr val="accent1">
-                    <a:lumMod val="60000"/>
-                    <a:lumOff val="40000"/>
-                  </a:schemeClr>
+                  <a:srgbClr val="00CC99"/>
                 </a:solidFill>
                 <a:latin typeface="Consolas" panose="020B0609020204030204" pitchFamily="49" charset="0"/>
               </a:rPr>
@@ -13529,7 +13523,10 @@
             <a:r>
               <a:rPr lang="en-PH" sz="2500" dirty="0" err="1">
                 <a:solidFill>
-                  <a:srgbClr val="00B0F0"/>
+                  <a:schemeClr val="accent1">
+                    <a:lumMod val="40000"/>
+                    <a:lumOff val="60000"/>
+                  </a:schemeClr>
                 </a:solidFill>
                 <a:latin typeface="Consolas" panose="020B0609020204030204" pitchFamily="49" charset="0"/>
               </a:rPr>
@@ -13682,10 +13679,7 @@
             <a:r>
               <a:rPr lang="en-PH" sz="2500" dirty="0">
                 <a:solidFill>
-                  <a:schemeClr val="accent1">
-                    <a:lumMod val="60000"/>
-                    <a:lumOff val="40000"/>
-                  </a:schemeClr>
+                  <a:srgbClr val="00CC99"/>
                 </a:solidFill>
                 <a:latin typeface="Consolas" panose="020B0609020204030204" pitchFamily="49" charset="0"/>
               </a:rPr>
@@ -13693,10 +13687,7 @@
             </a:r>
             <a:endParaRPr lang="en-PH" sz="2500" dirty="0">
               <a:solidFill>
-                <a:schemeClr val="accent1">
-                  <a:lumMod val="60000"/>
-                  <a:lumOff val="40000"/>
-                </a:schemeClr>
+                <a:srgbClr val="00CC99"/>
               </a:solidFill>
             </a:endParaRPr>
           </a:p>
@@ -13823,6 +13814,21 @@
             <a:r>
               <a:rPr lang="en-PH" sz="2500" dirty="0">
                 <a:solidFill>
+                  <a:srgbClr val="00CC99"/>
+                </a:solidFill>
+                <a:latin typeface="Consolas" panose="020B0609020204030204" pitchFamily="49" charset="0"/>
+              </a:rPr>
+              <a:t>Fruit</a:t>
+            </a:r>
+            <a:r>
+              <a:rPr lang="en-PH" sz="2500" dirty="0">
+                <a:latin typeface="Consolas" panose="020B0609020204030204" pitchFamily="49" charset="0"/>
+              </a:rPr>
+              <a:t> </a:t>
+            </a:r>
+            <a:r>
+              <a:rPr lang="en-PH" sz="2500" dirty="0">
+                <a:solidFill>
                   <a:schemeClr val="accent1">
                     <a:lumMod val="40000"/>
                     <a:lumOff val="60000"/>
@@ -13830,7 +13836,7 @@
                 </a:solidFill>
                 <a:latin typeface="Consolas" panose="020B0609020204030204" pitchFamily="49" charset="0"/>
               </a:rPr>
-              <a:t>Fruit</a:t>
+              <a:t>Mango</a:t>
             </a:r>
             <a:r>
               <a:rPr lang="en-PH" sz="2500" dirty="0">
@@ -13841,11 +13847,11 @@
             <a:r>
               <a:rPr lang="en-PH" sz="2500" dirty="0">
                 <a:solidFill>
-                  <a:srgbClr val="00B0F0"/>
+                  <a:schemeClr val="bg1"/>
                 </a:solidFill>
                 <a:latin typeface="Consolas" panose="020B0609020204030204" pitchFamily="49" charset="0"/>
               </a:rPr>
-              <a:t>Mango</a:t>
+              <a:t>=</a:t>
             </a:r>
             <a:r>
               <a:rPr lang="en-PH" sz="2500" dirty="0">
@@ -13854,13 +13860,16 @@
               <a:t> </a:t>
             </a:r>
             <a:r>
-              <a:rPr lang="en-PH" sz="2500" dirty="0">
-                <a:solidFill>
-                  <a:schemeClr val="bg1"/>
+              <a:rPr lang="en-PH" sz="2500" b="1" dirty="0">
+                <a:solidFill>
+                  <a:schemeClr val="accent5">
+                    <a:lumMod val="60000"/>
+                    <a:lumOff val="40000"/>
+                  </a:schemeClr>
                 </a:solidFill>
                 <a:latin typeface="Consolas" panose="020B0609020204030204" pitchFamily="49" charset="0"/>
               </a:rPr>
-              <a:t>=</a:t>
+              <a:t>new</a:t>
             </a:r>
             <a:r>
               <a:rPr lang="en-PH" sz="2500" dirty="0">
@@ -13869,27 +13878,12 @@
               <a:t> </a:t>
             </a:r>
             <a:r>
-              <a:rPr lang="en-PH" sz="2500" b="1" dirty="0">
-                <a:solidFill>
-                  <a:schemeClr val="accent5">
-                    <a:lumMod val="60000"/>
-                    <a:lumOff val="40000"/>
+              <a:rPr lang="en-PH" sz="2500" dirty="0">
+                <a:solidFill>
+                  <a:schemeClr val="accent2">
+                    <a:lumMod val="20000"/>
+                    <a:lumOff val="80000"/>
                   </a:schemeClr>
-                </a:solidFill>
-                <a:latin typeface="Consolas" panose="020B0609020204030204" pitchFamily="49" charset="0"/>
-              </a:rPr>
-              <a:t>new</a:t>
-            </a:r>
-            <a:r>
-              <a:rPr lang="en-PH" sz="2500" dirty="0">
-                <a:latin typeface="Consolas" panose="020B0609020204030204" pitchFamily="49" charset="0"/>
-              </a:rPr>
-              <a:t> </a:t>
-            </a:r>
-            <a:r>
-              <a:rPr lang="en-PH" sz="2500" dirty="0">
-                <a:solidFill>
-                  <a:srgbClr val="00B0F0"/>
                 </a:solidFill>
                 <a:latin typeface="Consolas" panose="020B0609020204030204" pitchFamily="49" charset="0"/>
               </a:rPr>
@@ -13897,11 +13891,27 @@
             </a:r>
             <a:r>
               <a:rPr lang="en-PH" sz="2500" dirty="0">
+                <a:solidFill>
+                  <a:srgbClr val="0070C0"/>
+                </a:solidFill>
                 <a:latin typeface="Consolas" panose="020B0609020204030204" pitchFamily="49" charset="0"/>
               </a:rPr>
-              <a:t>();</a:t>
-            </a:r>
-            <a:endParaRPr lang="en-PH" sz="2500" dirty="0"/>
+              <a:t>()</a:t>
+            </a:r>
+            <a:r>
+              <a:rPr lang="en-PH" sz="2500" dirty="0">
+                <a:solidFill>
+                  <a:schemeClr val="bg1"/>
+                </a:solidFill>
+                <a:latin typeface="Consolas" panose="020B0609020204030204" pitchFamily="49" charset="0"/>
+              </a:rPr>
+              <a:t>;</a:t>
+            </a:r>
+            <a:endParaRPr lang="en-PH" sz="2500" dirty="0">
+              <a:solidFill>
+                <a:schemeClr val="bg1"/>
+              </a:solidFill>
+            </a:endParaRPr>
           </a:p>
         </p:txBody>
       </p:sp>
@@ -13936,28 +13946,28 @@
             <a:r>
               <a:rPr lang="en-PH" sz="2500" dirty="0" err="1">
                 <a:solidFill>
+                  <a:srgbClr val="00CC99"/>
+                </a:solidFill>
+                <a:latin typeface="Consolas" panose="020B0609020204030204" pitchFamily="49" charset="0"/>
+              </a:rPr>
+              <a:t>Mango</a:t>
+            </a:r>
+            <a:r>
+              <a:rPr lang="en-PH" sz="2500" dirty="0" err="1">
+                <a:solidFill>
+                  <a:schemeClr val="bg1"/>
+                </a:solidFill>
+                <a:latin typeface="Consolas" panose="020B0609020204030204" pitchFamily="49" charset="0"/>
+              </a:rPr>
+              <a:t>.</a:t>
+            </a:r>
+            <a:r>
+              <a:rPr lang="en-PH" sz="2500" dirty="0" err="1">
+                <a:solidFill>
                   <a:schemeClr val="accent1">
                     <a:lumMod val="40000"/>
                     <a:lumOff val="60000"/>
                   </a:schemeClr>
-                </a:solidFill>
-                <a:latin typeface="Consolas" panose="020B0609020204030204" pitchFamily="49" charset="0"/>
-              </a:rPr>
-              <a:t>Mango</a:t>
-            </a:r>
-            <a:r>
-              <a:rPr lang="en-PH" sz="2500" dirty="0" err="1">
-                <a:solidFill>
-                  <a:schemeClr val="bg1"/>
-                </a:solidFill>
-                <a:latin typeface="Consolas" panose="020B0609020204030204" pitchFamily="49" charset="0"/>
-              </a:rPr>
-              <a:t>.</a:t>
-            </a:r>
-            <a:r>
-              <a:rPr lang="en-PH" sz="2500" dirty="0" err="1">
-                <a:solidFill>
-                  <a:srgbClr val="00B0F0"/>
                 </a:solidFill>
                 <a:latin typeface="Consolas" panose="020B0609020204030204" pitchFamily="49" charset="0"/>
               </a:rPr>
@@ -14032,28 +14042,28 @@
             <a:r>
               <a:rPr lang="en-PH" sz="2500" dirty="0" err="1">
                 <a:solidFill>
+                  <a:srgbClr val="00CC99"/>
+                </a:solidFill>
+                <a:latin typeface="Consolas" panose="020B0609020204030204" pitchFamily="49" charset="0"/>
+              </a:rPr>
+              <a:t>Mango</a:t>
+            </a:r>
+            <a:r>
+              <a:rPr lang="en-PH" sz="2500" dirty="0" err="1">
+                <a:solidFill>
+                  <a:schemeClr val="bg1"/>
+                </a:solidFill>
+                <a:latin typeface="Consolas" panose="020B0609020204030204" pitchFamily="49" charset="0"/>
+              </a:rPr>
+              <a:t>.</a:t>
+            </a:r>
+            <a:r>
+              <a:rPr lang="en-PH" sz="2500" dirty="0" err="1">
+                <a:solidFill>
                   <a:schemeClr val="accent1">
                     <a:lumMod val="40000"/>
                     <a:lumOff val="60000"/>
                   </a:schemeClr>
-                </a:solidFill>
-                <a:latin typeface="Consolas" panose="020B0609020204030204" pitchFamily="49" charset="0"/>
-              </a:rPr>
-              <a:t>Mango</a:t>
-            </a:r>
-            <a:r>
-              <a:rPr lang="en-PH" sz="2500" dirty="0" err="1">
-                <a:solidFill>
-                  <a:schemeClr val="bg1"/>
-                </a:solidFill>
-                <a:latin typeface="Consolas" panose="020B0609020204030204" pitchFamily="49" charset="0"/>
-              </a:rPr>
-              <a:t>.</a:t>
-            </a:r>
-            <a:r>
-              <a:rPr lang="en-PH" sz="2500" dirty="0" err="1">
-                <a:solidFill>
-                  <a:srgbClr val="00B0F0"/>
                 </a:solidFill>
                 <a:latin typeface="Consolas" panose="020B0609020204030204" pitchFamily="49" charset="0"/>
               </a:rPr>
